--- a/EasyBuyFarm_專案簡報.pptx
+++ b/EasyBuyFarm_專案簡報.pptx
@@ -131,6 +131,11 @@
       </a:defRPr>
     </a:lvl9pPr>
   </p:defaultTextStyle>
+  <p:extLst>
+    <p:ext uri="{EFAFB233-063F-42B5-8137-9DF3F51BA10A}">
+      <p15:sldGuideLst xmlns:p15="http://schemas.microsoft.com/office/powerpoint/2012/main"/>
+    </p:ext>
+  </p:extLst>
 </p:presentation>
 </file>
 
@@ -7305,7 +7310,7 @@
     <mc:Choice Requires="p14">
       <p:transition spd="slow" p14:dur="2000"/>
     </mc:Choice>
-    <mc:Fallback xmlns:p15="http://schemas.microsoft.com/office/powerpoint/2012/main" xmlns="">
+    <mc:Fallback xmlns="" xmlns:p15="http://schemas.microsoft.com/office/powerpoint/2012/main">
       <p:transition spd="slow"/>
     </mc:Fallback>
   </mc:AlternateContent>
@@ -7764,7 +7769,7 @@
     <mc:Choice Requires="p14">
       <p:transition spd="slow" p14:dur="2000"/>
     </mc:Choice>
-    <mc:Fallback xmlns:p15="http://schemas.microsoft.com/office/powerpoint/2012/main" xmlns="">
+    <mc:Fallback xmlns="" xmlns:p15="http://schemas.microsoft.com/office/powerpoint/2012/main">
       <p:transition spd="slow"/>
     </mc:Fallback>
   </mc:AlternateContent>
@@ -8103,7 +8108,7 @@
     <mc:Choice Requires="p14">
       <p:transition spd="slow" p14:dur="2000"/>
     </mc:Choice>
-    <mc:Fallback xmlns:p15="http://schemas.microsoft.com/office/powerpoint/2012/main" xmlns="">
+    <mc:Fallback xmlns="" xmlns:p15="http://schemas.microsoft.com/office/powerpoint/2012/main">
       <p:transition spd="slow"/>
     </mc:Fallback>
   </mc:AlternateContent>
@@ -8456,7 +8461,7 @@
     <mc:Choice Requires="p14">
       <p:transition spd="slow" p14:dur="2000"/>
     </mc:Choice>
-    <mc:Fallback xmlns:p15="http://schemas.microsoft.com/office/powerpoint/2012/main" xmlns="">
+    <mc:Fallback xmlns="" xmlns:p15="http://schemas.microsoft.com/office/powerpoint/2012/main">
       <p:transition spd="slow"/>
     </mc:Fallback>
   </mc:AlternateContent>
@@ -8807,7 +8812,7 @@
     <mc:Choice Requires="p14">
       <p:transition spd="slow" p14:dur="2000"/>
     </mc:Choice>
-    <mc:Fallback xmlns:p15="http://schemas.microsoft.com/office/powerpoint/2012/main" xmlns="">
+    <mc:Fallback xmlns="" xmlns:p15="http://schemas.microsoft.com/office/powerpoint/2012/main">
       <p:transition spd="slow"/>
     </mc:Fallback>
   </mc:AlternateContent>
@@ -9187,7 +9192,7 @@
     <mc:Choice Requires="p14">
       <p:transition spd="slow" p14:dur="2000"/>
     </mc:Choice>
-    <mc:Fallback xmlns:p15="http://schemas.microsoft.com/office/powerpoint/2012/main" xmlns="">
+    <mc:Fallback xmlns="" xmlns:p15="http://schemas.microsoft.com/office/powerpoint/2012/main">
       <p:transition spd="slow"/>
     </mc:Fallback>
   </mc:AlternateContent>
@@ -9514,7 +9519,7 @@
     <mc:Choice Requires="p14">
       <p:transition spd="slow" p14:dur="2000"/>
     </mc:Choice>
-    <mc:Fallback xmlns:p15="http://schemas.microsoft.com/office/powerpoint/2012/main" xmlns="">
+    <mc:Fallback xmlns="" xmlns:p15="http://schemas.microsoft.com/office/powerpoint/2012/main">
       <p:transition spd="slow"/>
     </mc:Fallback>
   </mc:AlternateContent>
@@ -9860,7 +9865,7 @@
     <mc:Choice Requires="p14">
       <p:transition spd="slow" p14:dur="2000"/>
     </mc:Choice>
-    <mc:Fallback xmlns:p15="http://schemas.microsoft.com/office/powerpoint/2012/main" xmlns="">
+    <mc:Fallback xmlns="" xmlns:p15="http://schemas.microsoft.com/office/powerpoint/2012/main">
       <p:transition spd="slow"/>
     </mc:Fallback>
   </mc:AlternateContent>
@@ -10276,7 +10281,7 @@
     <mc:Choice Requires="p14">
       <p:transition spd="slow" p14:dur="2000"/>
     </mc:Choice>
-    <mc:Fallback xmlns:p15="http://schemas.microsoft.com/office/powerpoint/2012/main" xmlns="">
+    <mc:Fallback xmlns="" xmlns:p15="http://schemas.microsoft.com/office/powerpoint/2012/main">
       <p:transition spd="slow"/>
     </mc:Fallback>
   </mc:AlternateContent>
@@ -10420,7 +10425,7 @@
         </p:nvSpPr>
         <p:spPr>
           <a:xfrm>
-            <a:off x="914400" y="1828800"/>
+            <a:off x="829096" y="1253792"/>
             <a:ext cx="3918600" cy="1278720"/>
           </a:xfrm>
           <a:prstGeom prst="rect">
@@ -10584,7 +10589,7 @@
       </p:sp>
       <p:pic>
         <p:nvPicPr>
-          <p:cNvPr id="6" name="圖片 5"/>
+          <p:cNvPr id="8" name="圖片 7"/>
           <p:cNvPicPr>
             <a:picLocks noChangeAspect="1"/>
           </p:cNvPicPr>
@@ -10598,8 +10603,8 @@
         </p:blipFill>
         <p:spPr>
           <a:xfrm>
-            <a:off x="134208" y="4549140"/>
-            <a:ext cx="7415784" cy="2196194"/>
+            <a:off x="134208" y="5559529"/>
+            <a:ext cx="5478092" cy="712511"/>
           </a:xfrm>
           <a:prstGeom prst="rect">
             <a:avLst/>
@@ -10608,22 +10613,28 @@
       </p:pic>
       <p:pic>
         <p:nvPicPr>
-          <p:cNvPr id="7" name="圖片 6"/>
+          <p:cNvPr id="2" name="圖片 1"/>
           <p:cNvPicPr>
             <a:picLocks noChangeAspect="1"/>
           </p:cNvPicPr>
           <p:nvPr/>
         </p:nvPicPr>
         <p:blipFill>
-          <a:blip r:embed="rId3"/>
+          <a:blip r:embed="rId3" cstate="print">
+            <a:extLst>
+              <a:ext uri="{28A0092B-C50C-407E-A947-70E740481C1C}">
+                <a14:useLocalDpi xmlns:a14="http://schemas.microsoft.com/office/drawing/2010/main" val="0"/>
+              </a:ext>
+            </a:extLst>
+          </a:blip>
           <a:stretch>
             <a:fillRect/>
           </a:stretch>
         </p:blipFill>
         <p:spPr>
           <a:xfrm>
-            <a:off x="6900605" y="130682"/>
-            <a:ext cx="2076127" cy="4140288"/>
+            <a:off x="134208" y="2693056"/>
+            <a:ext cx="5478092" cy="1943616"/>
           </a:xfrm>
           <a:prstGeom prst="rect">
             <a:avLst/>
@@ -10632,22 +10643,28 @@
       </p:pic>
       <p:pic>
         <p:nvPicPr>
-          <p:cNvPr id="8" name="圖片 7"/>
+          <p:cNvPr id="4" name="圖片 3"/>
           <p:cNvPicPr>
             <a:picLocks noChangeAspect="1"/>
           </p:cNvPicPr>
           <p:nvPr/>
         </p:nvPicPr>
         <p:blipFill>
-          <a:blip r:embed="rId4"/>
+          <a:blip r:embed="rId4">
+            <a:extLst>
+              <a:ext uri="{28A0092B-C50C-407E-A947-70E740481C1C}">
+                <a14:useLocalDpi xmlns:a14="http://schemas.microsoft.com/office/drawing/2010/main" val="0"/>
+              </a:ext>
+            </a:extLst>
+          </a:blip>
           <a:stretch>
             <a:fillRect/>
           </a:stretch>
         </p:blipFill>
         <p:spPr>
           <a:xfrm>
-            <a:off x="134208" y="3407908"/>
-            <a:ext cx="6635592" cy="863061"/>
+            <a:off x="5708137" y="1253792"/>
+            <a:ext cx="3435863" cy="5342061"/>
           </a:xfrm>
           <a:prstGeom prst="rect">
             <a:avLst/>
@@ -10663,7 +10680,7 @@
     <mc:Choice Requires="p14">
       <p:transition spd="slow" p14:dur="2000"/>
     </mc:Choice>
-    <mc:Fallback xmlns:p15="http://schemas.microsoft.com/office/powerpoint/2012/main" xmlns="">
+    <mc:Fallback xmlns="" xmlns:p15="http://schemas.microsoft.com/office/powerpoint/2012/main">
       <p:transition spd="slow"/>
     </mc:Fallback>
   </mc:AlternateContent>
@@ -10963,7 +10980,7 @@
     <mc:Choice Requires="p14">
       <p:transition spd="slow" p14:dur="2000"/>
     </mc:Choice>
-    <mc:Fallback xmlns:p15="http://schemas.microsoft.com/office/powerpoint/2012/main" xmlns="">
+    <mc:Fallback xmlns="" xmlns:p15="http://schemas.microsoft.com/office/powerpoint/2012/main">
       <p:transition spd="slow"/>
     </mc:Fallback>
   </mc:AlternateContent>
@@ -11455,7 +11472,7 @@
     <mc:Choice Requires="p14">
       <p:transition spd="slow" p14:dur="2000"/>
     </mc:Choice>
-    <mc:Fallback xmlns:p15="http://schemas.microsoft.com/office/powerpoint/2012/main" xmlns="">
+    <mc:Fallback xmlns="" xmlns:p15="http://schemas.microsoft.com/office/powerpoint/2012/main">
       <p:transition spd="slow"/>
     </mc:Fallback>
   </mc:AlternateContent>
@@ -11923,7 +11940,7 @@
     <mc:Choice Requires="p14">
       <p:transition spd="slow" p14:dur="2000"/>
     </mc:Choice>
-    <mc:Fallback xmlns:p15="http://schemas.microsoft.com/office/powerpoint/2012/main" xmlns="">
+    <mc:Fallback xmlns="" xmlns:p15="http://schemas.microsoft.com/office/powerpoint/2012/main">
       <p:transition spd="slow"/>
     </mc:Fallback>
   </mc:AlternateContent>
@@ -17060,7 +17077,7 @@
     <mc:Choice Requires="p14">
       <p:transition spd="slow" p14:dur="2000"/>
     </mc:Choice>
-    <mc:Fallback xmlns:p15="http://schemas.microsoft.com/office/powerpoint/2012/main" xmlns="">
+    <mc:Fallback xmlns="" xmlns:p15="http://schemas.microsoft.com/office/powerpoint/2012/main">
       <p:transition spd="slow"/>
     </mc:Fallback>
   </mc:AlternateContent>
@@ -20996,7 +21013,7 @@
     <mc:Choice Requires="p14">
       <p:transition spd="slow" p14:dur="2000"/>
     </mc:Choice>
-    <mc:Fallback xmlns:p15="http://schemas.microsoft.com/office/powerpoint/2012/main" xmlns="">
+    <mc:Fallback xmlns="" xmlns:p15="http://schemas.microsoft.com/office/powerpoint/2012/main">
       <p:transition spd="slow"/>
     </mc:Fallback>
   </mc:AlternateContent>
@@ -25082,7 +25099,7 @@
     <mc:Choice Requires="p14">
       <p:transition spd="slow" p14:dur="2000"/>
     </mc:Choice>
-    <mc:Fallback xmlns:p15="http://schemas.microsoft.com/office/powerpoint/2012/main" xmlns="">
+    <mc:Fallback xmlns="" xmlns:p15="http://schemas.microsoft.com/office/powerpoint/2012/main">
       <p:transition spd="slow"/>
     </mc:Fallback>
   </mc:AlternateContent>
@@ -29830,7 +29847,7 @@
     <mc:Choice Requires="p14">
       <p:transition spd="slow" p14:dur="2000"/>
     </mc:Choice>
-    <mc:Fallback xmlns:p15="http://schemas.microsoft.com/office/powerpoint/2012/main" xmlns="">
+    <mc:Fallback xmlns="" xmlns:p15="http://schemas.microsoft.com/office/powerpoint/2012/main">
       <p:transition spd="slow"/>
     </mc:Fallback>
   </mc:AlternateContent>
@@ -34599,7 +34616,7 @@
     <mc:Choice Requires="p14">
       <p:transition spd="slow" p14:dur="2000"/>
     </mc:Choice>
-    <mc:Fallback xmlns:p15="http://schemas.microsoft.com/office/powerpoint/2012/main" xmlns="">
+    <mc:Fallback xmlns="" xmlns:p15="http://schemas.microsoft.com/office/powerpoint/2012/main">
       <p:transition spd="slow"/>
     </mc:Fallback>
   </mc:AlternateContent>
@@ -35130,7 +35147,7 @@
     <mc:Choice Requires="p14">
       <p:transition spd="slow" p14:dur="2000"/>
     </mc:Choice>
-    <mc:Fallback xmlns:p15="http://schemas.microsoft.com/office/powerpoint/2012/main" xmlns="">
+    <mc:Fallback xmlns="" xmlns:p15="http://schemas.microsoft.com/office/powerpoint/2012/main">
       <p:transition spd="slow"/>
     </mc:Fallback>
   </mc:AlternateContent>
@@ -35952,7 +35969,7 @@
     <mc:Choice Requires="p14">
       <p:transition spd="slow" p14:dur="2000"/>
     </mc:Choice>
-    <mc:Fallback xmlns:p15="http://schemas.microsoft.com/office/powerpoint/2012/main" xmlns="">
+    <mc:Fallback xmlns="" xmlns:p15="http://schemas.microsoft.com/office/powerpoint/2012/main">
       <p:transition spd="slow"/>
     </mc:Fallback>
   </mc:AlternateContent>
@@ -36289,17 +36306,7 @@
                 <a:latin typeface="Microsoft JhengHei"/>
                 <a:ea typeface="Microsoft JhengHei"/>
               </a:rPr>
-              <a:t>區分買家、賣家的功能權限</a:t>
-            </a:r>
-            <a:r>
-              <a:rPr lang="zh-TW" altLang="en-US" sz="2500" dirty="0" smtClean="0">
-                <a:solidFill>
-                  <a:srgbClr val="212121"/>
-                </a:solidFill>
-                <a:latin typeface="Microsoft JhengHei"/>
-                <a:ea typeface="Microsoft JhengHei"/>
-              </a:rPr>
-              <a:t>。</a:t>
+              <a:t>區分買家、賣家的功能權限。</a:t>
             </a:r>
             <a:endParaRPr lang="en-US" altLang="zh-TW" sz="2500" dirty="0" smtClean="0">
               <a:solidFill>
@@ -36436,7 +36443,7 @@
     <mc:Choice Requires="p14">
       <p:transition spd="slow" p14:dur="2000"/>
     </mc:Choice>
-    <mc:Fallback xmlns:p15="http://schemas.microsoft.com/office/powerpoint/2012/main" xmlns="">
+    <mc:Fallback xmlns="" xmlns:p15="http://schemas.microsoft.com/office/powerpoint/2012/main">
       <p:transition spd="slow"/>
     </mc:Fallback>
   </mc:AlternateContent>
@@ -36810,7 +36817,7 @@
     <mc:Choice Requires="p14">
       <p:transition spd="slow" p14:dur="2000"/>
     </mc:Choice>
-    <mc:Fallback xmlns:p15="http://schemas.microsoft.com/office/powerpoint/2012/main" xmlns="">
+    <mc:Fallback xmlns="" xmlns:p15="http://schemas.microsoft.com/office/powerpoint/2012/main">
       <p:transition spd="slow"/>
     </mc:Fallback>
   </mc:AlternateContent>
@@ -37433,7 +37440,7 @@
     <mc:Choice Requires="p14">
       <p:transition spd="slow" p14:dur="2000"/>
     </mc:Choice>
-    <mc:Fallback xmlns:p15="http://schemas.microsoft.com/office/powerpoint/2012/main" xmlns="">
+    <mc:Fallback xmlns="" xmlns:p15="http://schemas.microsoft.com/office/powerpoint/2012/main">
       <p:transition spd="slow"/>
     </mc:Fallback>
   </mc:AlternateContent>
@@ -38093,7 +38100,7 @@
     <mc:Choice Requires="p14">
       <p:transition spd="slow" p14:dur="2000"/>
     </mc:Choice>
-    <mc:Fallback xmlns:p15="http://schemas.microsoft.com/office/powerpoint/2012/main" xmlns="">
+    <mc:Fallback xmlns="" xmlns:p15="http://schemas.microsoft.com/office/powerpoint/2012/main">
       <p:transition spd="slow"/>
     </mc:Fallback>
   </mc:AlternateContent>
@@ -38632,7 +38639,7 @@
     <mc:Choice Requires="p14">
       <p:transition spd="slow" p14:dur="2000"/>
     </mc:Choice>
-    <mc:Fallback xmlns:p15="http://schemas.microsoft.com/office/powerpoint/2012/main" xmlns="">
+    <mc:Fallback xmlns="" xmlns:p15="http://schemas.microsoft.com/office/powerpoint/2012/main">
       <p:transition spd="slow"/>
     </mc:Fallback>
   </mc:AlternateContent>
@@ -39196,7 +39203,7 @@
     <mc:Choice Requires="p14">
       <p:transition spd="slow" p14:dur="2000"/>
     </mc:Choice>
-    <mc:Fallback xmlns:p15="http://schemas.microsoft.com/office/powerpoint/2012/main" xmlns="">
+    <mc:Fallback xmlns="" xmlns:p15="http://schemas.microsoft.com/office/powerpoint/2012/main">
       <p:transition spd="slow"/>
     </mc:Fallback>
   </mc:AlternateContent>
@@ -39855,7 +39862,7 @@
     <mc:Choice Requires="p14">
       <p:transition spd="slow" p14:dur="2000"/>
     </mc:Choice>
-    <mc:Fallback xmlns:p15="http://schemas.microsoft.com/office/powerpoint/2012/main" xmlns="">
+    <mc:Fallback xmlns="" xmlns:p15="http://schemas.microsoft.com/office/powerpoint/2012/main">
       <p:transition spd="slow"/>
     </mc:Fallback>
   </mc:AlternateContent>
@@ -40768,7 +40775,7 @@
     <mc:Choice Requires="p14">
       <p:transition spd="slow" p14:dur="2000"/>
     </mc:Choice>
-    <mc:Fallback xmlns:p15="http://schemas.microsoft.com/office/powerpoint/2012/main" xmlns="">
+    <mc:Fallback xmlns="" xmlns:p15="http://schemas.microsoft.com/office/powerpoint/2012/main">
       <p:transition spd="slow"/>
     </mc:Fallback>
   </mc:AlternateContent>
